--- a/Paypal_Javascript.pptx
+++ b/Paypal_Javascript.pptx
@@ -11,6 +11,11 @@
     <p:sldId id="262" r:id="rId8"/>
     <p:sldId id="263" r:id="rId9"/>
     <p:sldId id="261" r:id="rId10"/>
+    <p:sldId id="264" r:id="rId11"/>
+    <p:sldId id="265" r:id="rId12"/>
+    <p:sldId id="266" r:id="rId13"/>
+    <p:sldId id="267" r:id="rId14"/>
+    <p:sldId id="268" r:id="rId15"/>
   </p:sldIdLst>
   <p:sldSz cx="12192000" cy="6858000"/>
   <p:notesSz cx="6858000" cy="9144000"/>
@@ -690,7 +695,7 @@
           <a:p>
             <a:fld id="{EA0C0817-A112-4847-8014-A94B7D2A4EA3}" type="datetime1">
               <a:rPr lang="en-US" smtClean="0"/>
-              <a:t>8/2/2022</a:t>
+              <a:t>8/4/2022</a:t>
             </a:fld>
             <a:endParaRPr lang="en-US" dirty="0"/>
           </a:p>
@@ -892,7 +897,7 @@
           <a:p>
             <a:fld id="{7332B432-ACDA-4023-A761-2BAB76577B62}" type="datetime1">
               <a:rPr lang="en-US" smtClean="0"/>
-              <a:t>8/2/2022</a:t>
+              <a:t>8/4/2022</a:t>
             </a:fld>
             <a:endParaRPr lang="en-US" dirty="0"/>
           </a:p>
@@ -1491,7 +1496,7 @@
           <a:p>
             <a:fld id="{D9C646AA-F36E-4540-911D-FFFC0A0EF24A}" type="datetime1">
               <a:rPr lang="en-US" smtClean="0"/>
-              <a:t>8/2/2022</a:t>
+              <a:t>8/4/2022</a:t>
             </a:fld>
             <a:endParaRPr lang="en-US" dirty="0"/>
           </a:p>
@@ -1811,7 +1816,7 @@
           <a:p>
             <a:fld id="{69186D26-FA5F-4637-B602-B7C2DC34CFD4}" type="datetime1">
               <a:rPr lang="en-US" smtClean="0"/>
-              <a:t>8/2/2022</a:t>
+              <a:t>8/4/2022</a:t>
             </a:fld>
             <a:endParaRPr lang="en-US" dirty="0"/>
           </a:p>
@@ -2248,7 +2253,7 @@
           <a:p>
             <a:fld id="{8A7F15D8-96D1-4781-BC50-CA8A088B2FE4}" type="datetime1">
               <a:rPr lang="en-US" smtClean="0"/>
-              <a:t>8/2/2022</a:t>
+              <a:t>8/4/2022</a:t>
             </a:fld>
             <a:endParaRPr lang="en-US" dirty="0"/>
           </a:p>
@@ -2366,7 +2371,7 @@
           <a:p>
             <a:fld id="{F9A96C99-B8F8-4528-BD05-0E16E943DC09}" type="datetime1">
               <a:rPr lang="en-US" smtClean="0"/>
-              <a:t>8/2/2022</a:t>
+              <a:t>8/4/2022</a:t>
             </a:fld>
             <a:endParaRPr lang="en-US" dirty="0"/>
           </a:p>
@@ -2461,7 +2466,7 @@
           <a:p>
             <a:fld id="{03636942-C211-4B28-8DBD-C953E00AF71B}" type="datetime1">
               <a:rPr lang="en-US" smtClean="0"/>
-              <a:t>8/2/2022</a:t>
+              <a:t>8/4/2022</a:t>
             </a:fld>
             <a:endParaRPr lang="en-US" dirty="0"/>
           </a:p>
@@ -2878,7 +2883,7 @@
           <a:p>
             <a:fld id="{7E8D12A6-918A-48BD-8CB9-CA713993B0EA}" type="datetime1">
               <a:rPr lang="en-US" smtClean="0"/>
-              <a:t>8/2/2022</a:t>
+              <a:t>8/4/2022</a:t>
             </a:fld>
             <a:endParaRPr lang="en-US" dirty="0"/>
           </a:p>
@@ -3140,7 +3145,7 @@
             <a:fld id="{E778CE86-875F-4587-BCF6-FA054AFC0D53}" type="datetime1">
               <a:rPr lang="en-US" smtClean="0"/>
               <a:pPr/>
-              <a:t>8/2/2022</a:t>
+              <a:t>8/4/2022</a:t>
             </a:fld>
             <a:endParaRPr lang="en-US" dirty="0"/>
           </a:p>
@@ -3656,7 +3661,7 @@
           <a:p>
             <a:fld id="{F6FA2B21-3FCD-4721-B95C-427943F61125}" type="datetime1">
               <a:rPr lang="en-US" smtClean="0"/>
-              <a:t>8/2/2022</a:t>
+              <a:t>8/4/2022</a:t>
             </a:fld>
             <a:endParaRPr lang="en-US" dirty="0"/>
           </a:p>
@@ -4288,6 +4293,8 @@
                 <a:solidFill>
                   <a:schemeClr val="tx1"/>
                 </a:solidFill>
+                <a:latin typeface="Arial" panose="020B0604020202020204" pitchFamily="34" charset="0"/>
+                <a:cs typeface="Arial" panose="020B0604020202020204" pitchFamily="34" charset="0"/>
               </a:rPr>
               <a:t>Paypal</a:t>
             </a:r>
@@ -4296,6 +4303,8 @@
                 <a:solidFill>
                   <a:schemeClr val="tx1"/>
                 </a:solidFill>
+                <a:latin typeface="Arial" panose="020B0604020202020204" pitchFamily="34" charset="0"/>
+                <a:cs typeface="Arial" panose="020B0604020202020204" pitchFamily="34" charset="0"/>
               </a:rPr>
               <a:t> </a:t>
             </a:r>
@@ -4304,6 +4313,8 @@
                 <a:solidFill>
                   <a:schemeClr val="tx1"/>
                 </a:solidFill>
+                <a:latin typeface="Arial" panose="020B0604020202020204" pitchFamily="34" charset="0"/>
+                <a:cs typeface="Arial" panose="020B0604020202020204" pitchFamily="34" charset="0"/>
               </a:rPr>
               <a:t>Javascript</a:t>
             </a:r>
@@ -4311,6 +4322,8 @@
               <a:solidFill>
                 <a:schemeClr val="tx1"/>
               </a:solidFill>
+              <a:latin typeface="Arial" panose="020B0604020202020204" pitchFamily="34" charset="0"/>
+              <a:cs typeface="Arial" panose="020B0604020202020204" pitchFamily="34" charset="0"/>
             </a:endParaRPr>
           </a:p>
         </p:txBody>
@@ -4353,6 +4366,8 @@
                 <a:solidFill>
                   <a:schemeClr val="tx1"/>
                 </a:solidFill>
+                <a:latin typeface="Arial" panose="020B0604020202020204" pitchFamily="34" charset="0"/>
+                <a:cs typeface="Arial" panose="020B0604020202020204" pitchFamily="34" charset="0"/>
               </a:rPr>
               <a:t>Group </a:t>
             </a:r>
@@ -4361,6 +4376,8 @@
                 <a:solidFill>
                   <a:schemeClr val="tx1"/>
                 </a:solidFill>
+                <a:latin typeface="Arial" panose="020B0604020202020204" pitchFamily="34" charset="0"/>
+                <a:cs typeface="Arial" panose="020B0604020202020204" pitchFamily="34" charset="0"/>
               </a:rPr>
               <a:t>Memebers</a:t>
             </a:r>
@@ -4369,6 +4386,8 @@
                 <a:solidFill>
                   <a:schemeClr val="tx1"/>
                 </a:solidFill>
+                <a:latin typeface="Arial" panose="020B0604020202020204" pitchFamily="34" charset="0"/>
+                <a:cs typeface="Arial" panose="020B0604020202020204" pitchFamily="34" charset="0"/>
               </a:rPr>
               <a:t>: </a:t>
             </a:r>
@@ -4377,6 +4396,8 @@
                 <a:solidFill>
                   <a:schemeClr val="tx1"/>
                 </a:solidFill>
+                <a:latin typeface="Arial" panose="020B0604020202020204" pitchFamily="34" charset="0"/>
+                <a:cs typeface="Arial" panose="020B0604020202020204" pitchFamily="34" charset="0"/>
               </a:rPr>
               <a:t>Chisato</a:t>
             </a:r>
@@ -4385,6 +4406,8 @@
                 <a:solidFill>
                   <a:schemeClr val="tx1"/>
                 </a:solidFill>
+                <a:latin typeface="Arial" panose="020B0604020202020204" pitchFamily="34" charset="0"/>
+                <a:cs typeface="Arial" panose="020B0604020202020204" pitchFamily="34" charset="0"/>
               </a:rPr>
               <a:t> </a:t>
             </a:r>
@@ -4393,6 +4416,8 @@
                 <a:solidFill>
                   <a:schemeClr val="tx1"/>
                 </a:solidFill>
+                <a:latin typeface="Arial" panose="020B0604020202020204" pitchFamily="34" charset="0"/>
+                <a:cs typeface="Arial" panose="020B0604020202020204" pitchFamily="34" charset="0"/>
               </a:rPr>
               <a:t>Sakat</a:t>
             </a:r>
@@ -4401,6 +4426,8 @@
                 <a:solidFill>
                   <a:schemeClr val="tx1"/>
                 </a:solidFill>
+                <a:latin typeface="Arial" panose="020B0604020202020204" pitchFamily="34" charset="0"/>
+                <a:cs typeface="Arial" panose="020B0604020202020204" pitchFamily="34" charset="0"/>
               </a:rPr>
               <a:t>, Alec Tanner, </a:t>
             </a:r>
@@ -4416,6 +4443,8 @@
                 <a:solidFill>
                   <a:schemeClr val="tx1"/>
                 </a:solidFill>
+                <a:latin typeface="Arial" panose="020B0604020202020204" pitchFamily="34" charset="0"/>
+                <a:cs typeface="Arial" panose="020B0604020202020204" pitchFamily="34" charset="0"/>
               </a:rPr>
               <a:t>Stephanie Caliwag, Middy Esmail</a:t>
             </a:r>
@@ -4431,6 +4460,232 @@
   </p:cSld>
   <p:clrMapOvr>
     <a:overrideClrMapping bg1="dk1" tx1="lt1" bg2="dk2" tx2="lt2" accent1="accent1" accent2="accent2" accent3="accent3" accent4="accent4" accent5="accent5" accent6="accent6" hlink="hlink" folHlink="folHlink"/>
+  </p:clrMapOvr>
+</p:sld>
+</file>
+
+<file path=ppt/slides/slide10.xml><?xml version="1.0" encoding="utf-8"?>
+<p:sld xmlns:a="http://schemas.openxmlformats.org/drawingml/2006/main" xmlns:r="http://schemas.openxmlformats.org/officeDocument/2006/relationships" xmlns:p="http://schemas.openxmlformats.org/presentationml/2006/main">
+  <p:cSld>
+    <p:spTree>
+      <p:nvGrpSpPr>
+        <p:cNvPr id="1" name=""/>
+        <p:cNvGrpSpPr/>
+        <p:nvPr/>
+      </p:nvGrpSpPr>
+      <p:grpSpPr>
+        <a:xfrm>
+          <a:off x="0" y="0"/>
+          <a:ext cx="0" cy="0"/>
+          <a:chOff x="0" y="0"/>
+          <a:chExt cx="0" cy="0"/>
+        </a:xfrm>
+      </p:grpSpPr>
+      <p:sp>
+        <p:nvSpPr>
+          <p:cNvPr id="2" name="Title 1">
+            <a:extLst>
+              <a:ext uri="{FF2B5EF4-FFF2-40B4-BE49-F238E27FC236}">
+                <a16:creationId xmlns:a16="http://schemas.microsoft.com/office/drawing/2014/main" id="{CC6F24CF-CEDA-8916-04F5-33E50E36B0A6}"/>
+              </a:ext>
+            </a:extLst>
+          </p:cNvPr>
+          <p:cNvSpPr>
+            <a:spLocks noGrp="1"/>
+          </p:cNvSpPr>
+          <p:nvPr>
+            <p:ph type="title"/>
+          </p:nvPr>
+        </p:nvSpPr>
+        <p:spPr/>
+        <p:txBody>
+          <a:bodyPr/>
+          <a:lstStyle/>
+          <a:p>
+            <a:pPr algn="ctr"/>
+            <a:r>
+              <a:rPr lang="en-US" dirty="0">
+                <a:latin typeface="Arial" panose="020B0604020202020204" pitchFamily="34" charset="0"/>
+                <a:cs typeface="Arial" panose="020B0604020202020204" pitchFamily="34" charset="0"/>
+              </a:rPr>
+              <a:t>Next Part!</a:t>
+            </a:r>
+          </a:p>
+        </p:txBody>
+      </p:sp>
+      <p:sp>
+        <p:nvSpPr>
+          <p:cNvPr id="3" name="Content Placeholder 2">
+            <a:extLst>
+              <a:ext uri="{FF2B5EF4-FFF2-40B4-BE49-F238E27FC236}">
+                <a16:creationId xmlns:a16="http://schemas.microsoft.com/office/drawing/2014/main" id="{7550B938-EE9C-07A7-2C09-644181F65DF3}"/>
+              </a:ext>
+            </a:extLst>
+          </p:cNvPr>
+          <p:cNvSpPr>
+            <a:spLocks noGrp="1"/>
+          </p:cNvSpPr>
+          <p:nvPr>
+            <p:ph idx="1"/>
+          </p:nvPr>
+        </p:nvSpPr>
+        <p:spPr/>
+        <p:txBody>
+          <a:bodyPr/>
+          <a:lstStyle/>
+          <a:p>
+            <a:r>
+              <a:rPr lang="en-US" dirty="0">
+                <a:latin typeface="Arial" panose="020B0604020202020204" pitchFamily="34" charset="0"/>
+                <a:cs typeface="Arial" panose="020B0604020202020204" pitchFamily="34" charset="0"/>
+              </a:rPr>
+              <a:t>This will be it for part 1 of our presentation…</a:t>
+            </a:r>
+          </a:p>
+          <a:p>
+            <a:endParaRPr lang="en-US" dirty="0">
+              <a:latin typeface="Arial" panose="020B0604020202020204" pitchFamily="34" charset="0"/>
+              <a:cs typeface="Arial" panose="020B0604020202020204" pitchFamily="34" charset="0"/>
+            </a:endParaRPr>
+          </a:p>
+          <a:p>
+            <a:r>
+              <a:rPr lang="en-US" dirty="0">
+                <a:latin typeface="Arial" panose="020B0604020202020204" pitchFamily="34" charset="0"/>
+                <a:cs typeface="Arial" panose="020B0604020202020204" pitchFamily="34" charset="0"/>
+              </a:rPr>
+              <a:t>Next part will be taken over by Middy and </a:t>
+            </a:r>
+            <a:r>
+              <a:rPr lang="en-US" dirty="0" err="1">
+                <a:latin typeface="Arial" panose="020B0604020202020204" pitchFamily="34" charset="0"/>
+                <a:cs typeface="Arial" panose="020B0604020202020204" pitchFamily="34" charset="0"/>
+              </a:rPr>
+              <a:t>Chisato</a:t>
+            </a:r>
+            <a:r>
+              <a:rPr lang="en-US" dirty="0">
+                <a:latin typeface="Arial" panose="020B0604020202020204" pitchFamily="34" charset="0"/>
+                <a:cs typeface="Arial" panose="020B0604020202020204" pitchFamily="34" charset="0"/>
+              </a:rPr>
+              <a:t>. </a:t>
+            </a:r>
+          </a:p>
+          <a:p>
+            <a:endParaRPr lang="en-US" dirty="0">
+              <a:latin typeface="Arial" panose="020B0604020202020204" pitchFamily="34" charset="0"/>
+              <a:cs typeface="Arial" panose="020B0604020202020204" pitchFamily="34" charset="0"/>
+            </a:endParaRPr>
+          </a:p>
+          <a:p>
+            <a:r>
+              <a:rPr lang="en-US" dirty="0">
+                <a:latin typeface="Arial" panose="020B0604020202020204" pitchFamily="34" charset="0"/>
+                <a:cs typeface="Arial" panose="020B0604020202020204" pitchFamily="34" charset="0"/>
+              </a:rPr>
+              <a:t>They will be explaining our PayPal application version. </a:t>
+            </a:r>
+          </a:p>
+          <a:p>
+            <a:endParaRPr lang="en-US" dirty="0">
+              <a:latin typeface="Arial" panose="020B0604020202020204" pitchFamily="34" charset="0"/>
+              <a:cs typeface="Arial" panose="020B0604020202020204" pitchFamily="34" charset="0"/>
+            </a:endParaRPr>
+          </a:p>
+          <a:p>
+            <a:r>
+              <a:rPr lang="en-US" dirty="0">
+                <a:latin typeface="Arial" panose="020B0604020202020204" pitchFamily="34" charset="0"/>
+                <a:cs typeface="Arial" panose="020B0604020202020204" pitchFamily="34" charset="0"/>
+              </a:rPr>
+              <a:t>ENJOY!</a:t>
+            </a:r>
+          </a:p>
+        </p:txBody>
+      </p:sp>
+    </p:spTree>
+    <p:extLst>
+      <p:ext uri="{BB962C8B-B14F-4D97-AF65-F5344CB8AC3E}">
+        <p14:creationId xmlns:p14="http://schemas.microsoft.com/office/powerpoint/2010/main" val="1016925268"/>
+      </p:ext>
+    </p:extLst>
+  </p:cSld>
+  <p:clrMapOvr>
+    <a:masterClrMapping/>
+  </p:clrMapOvr>
+</p:sld>
+</file>
+
+<file path=ppt/slides/slide11.xml><?xml version="1.0" encoding="utf-8"?>
+<p:sld xmlns:a="http://schemas.openxmlformats.org/drawingml/2006/main" xmlns:r="http://schemas.openxmlformats.org/officeDocument/2006/relationships" xmlns:p="http://schemas.openxmlformats.org/presentationml/2006/main">
+  <p:cSld>
+    <p:spTree>
+      <p:nvGrpSpPr>
+        <p:cNvPr id="1" name=""/>
+        <p:cNvGrpSpPr/>
+        <p:nvPr/>
+      </p:nvGrpSpPr>
+      <p:grpSpPr>
+        <a:xfrm>
+          <a:off x="0" y="0"/>
+          <a:ext cx="0" cy="0"/>
+          <a:chOff x="0" y="0"/>
+          <a:chExt cx="0" cy="0"/>
+        </a:xfrm>
+      </p:grpSpPr>
+      <p:sp>
+        <p:nvSpPr>
+          <p:cNvPr id="2" name="Title 1">
+            <a:extLst>
+              <a:ext uri="{FF2B5EF4-FFF2-40B4-BE49-F238E27FC236}">
+                <a16:creationId xmlns:a16="http://schemas.microsoft.com/office/drawing/2014/main" id="{8453906F-B93C-D893-231B-FAE85D303383}"/>
+              </a:ext>
+            </a:extLst>
+          </p:cNvPr>
+          <p:cNvSpPr>
+            <a:spLocks noGrp="1"/>
+          </p:cNvSpPr>
+          <p:nvPr>
+            <p:ph type="title"/>
+          </p:nvPr>
+        </p:nvSpPr>
+        <p:spPr>
+          <a:xfrm>
+            <a:off x="1066800" y="2743200"/>
+            <a:ext cx="10058400" cy="1371600"/>
+          </a:xfrm>
+        </p:spPr>
+        <p:txBody>
+          <a:bodyPr/>
+          <a:lstStyle/>
+          <a:p>
+            <a:pPr algn="ctr"/>
+            <a:r>
+              <a:rPr lang="en-US" dirty="0">
+                <a:latin typeface="Arial" panose="020B0604020202020204" pitchFamily="34" charset="0"/>
+                <a:cs typeface="Arial" panose="020B0604020202020204" pitchFamily="34" charset="0"/>
+              </a:rPr>
+              <a:t>Any Questions? </a:t>
+            </a:r>
+            <a:r>
+              <a:rPr lang="en-US" sz="1200" dirty="0">
+                <a:latin typeface="Arial" panose="020B0604020202020204" pitchFamily="34" charset="0"/>
+                <a:cs typeface="Arial" panose="020B0604020202020204" pitchFamily="34" charset="0"/>
+              </a:rPr>
+              <a:t>(Don’t be shy ask questions I dare you)</a:t>
+            </a:r>
+          </a:p>
+        </p:txBody>
+      </p:sp>
+    </p:spTree>
+    <p:extLst>
+      <p:ext uri="{BB962C8B-B14F-4D97-AF65-F5344CB8AC3E}">
+        <p14:creationId xmlns:p14="http://schemas.microsoft.com/office/powerpoint/2010/main" val="2794547292"/>
+      </p:ext>
+    </p:extLst>
+  </p:cSld>
+  <p:clrMapOvr>
+    <a:masterClrMapping/>
   </p:clrMapOvr>
 </p:sld>
 </file>
@@ -4475,7 +4730,10 @@
           <a:p>
             <a:pPr algn="ctr"/>
             <a:r>
-              <a:rPr lang="en-US" dirty="0"/>
+              <a:rPr lang="en-US" dirty="0">
+                <a:latin typeface="Arial" panose="020B0604020202020204" pitchFamily="34" charset="0"/>
+                <a:cs typeface="Arial" panose="020B0604020202020204" pitchFamily="34" charset="0"/>
+              </a:rPr>
               <a:t>Introduction</a:t>
             </a:r>
           </a:p>
@@ -4505,6 +4763,7 @@
             <a:endParaRPr lang="en-US" dirty="0"/>
           </a:p>
           <a:p>
+            <a:pPr algn="ctr"/>
             <a:r>
               <a:rPr lang="en-US" dirty="0">
                 <a:latin typeface="Arial" panose="020B0604020202020204" pitchFamily="34" charset="0"/>
@@ -4574,8 +4833,11 @@
           <a:p>
             <a:pPr algn="ctr"/>
             <a:r>
-              <a:rPr lang="en-US" dirty="0"/>
-              <a:t>What is PayPal</a:t>
+              <a:rPr lang="en-US" dirty="0">
+                <a:latin typeface="Arial" panose="020B0604020202020204" pitchFamily="34" charset="0"/>
+                <a:cs typeface="Arial" panose="020B0604020202020204" pitchFamily="34" charset="0"/>
+              </a:rPr>
+              <a:t>What is PayPal?</a:t>
             </a:r>
           </a:p>
         </p:txBody>
@@ -4709,7 +4971,10 @@
           <a:p>
             <a:pPr algn="ctr"/>
             <a:r>
-              <a:rPr lang="en-US" dirty="0"/>
+              <a:rPr lang="en-US" dirty="0">
+                <a:latin typeface="Arial" panose="020B0604020202020204" pitchFamily="34" charset="0"/>
+                <a:cs typeface="Arial" panose="020B0604020202020204" pitchFamily="34" charset="0"/>
+              </a:rPr>
               <a:t>What does it do?</a:t>
             </a:r>
           </a:p>
@@ -4735,6 +5000,16 @@
         <p:txBody>
           <a:bodyPr/>
           <a:lstStyle/>
+          <a:p>
+            <a:endParaRPr lang="en-US" b="0" i="0" dirty="0">
+              <a:solidFill>
+                <a:srgbClr val="000000"/>
+              </a:solidFill>
+              <a:effectLst/>
+              <a:latin typeface="Arial" panose="020B0604020202020204" pitchFamily="34" charset="0"/>
+              <a:cs typeface="Arial" panose="020B0604020202020204" pitchFamily="34" charset="0"/>
+            </a:endParaRPr>
+          </a:p>
           <a:p>
             <a:r>
               <a:rPr lang="en-US" b="0" i="0" dirty="0">
@@ -4866,7 +5141,10 @@
           <a:p>
             <a:pPr algn="ctr"/>
             <a:r>
-              <a:rPr lang="en-US" dirty="0"/>
+              <a:rPr lang="en-US" dirty="0">
+                <a:latin typeface="Arial" panose="020B0604020202020204" pitchFamily="34" charset="0"/>
+                <a:cs typeface="Arial" panose="020B0604020202020204" pitchFamily="34" charset="0"/>
+              </a:rPr>
               <a:t>Why is it useful?</a:t>
             </a:r>
           </a:p>
@@ -4929,21 +5207,27 @@
           </a:p>
           <a:p>
             <a:r>
-              <a:rPr lang="en-US" b="0" i="0">
-                <a:effectLst/>
-                <a:latin typeface="Arial" panose="020B0604020202020204" pitchFamily="34" charset="0"/>
-                <a:cs typeface="Arial" panose="020B0604020202020204" pitchFamily="34" charset="0"/>
-              </a:rPr>
-              <a:t>You </a:t>
-            </a:r>
-            <a:r>
               <a:rPr lang="en-US" b="0" i="0" dirty="0">
                 <a:effectLst/>
                 <a:latin typeface="Arial" panose="020B0604020202020204" pitchFamily="34" charset="0"/>
                 <a:cs typeface="Arial" panose="020B0604020202020204" pitchFamily="34" charset="0"/>
               </a:rPr>
-              <a:t>can also send money to family and friends</a:t>
-            </a:r>
+              <a:t>You can also send money to family and friends</a:t>
+            </a:r>
+          </a:p>
+          <a:p>
+            <a:r>
+              <a:rPr lang="en-US" dirty="0">
+                <a:latin typeface="Arial" panose="020B0604020202020204" pitchFamily="34" charset="0"/>
+                <a:cs typeface="Arial" panose="020B0604020202020204" pitchFamily="34" charset="0"/>
+              </a:rPr>
+              <a:t>Very useful for small businesses and freelance work</a:t>
+            </a:r>
+          </a:p>
+          <a:p>
+            <a:pPr marL="0" indent="0">
+              <a:buNone/>
+            </a:pPr>
             <a:endParaRPr lang="en-US" dirty="0">
               <a:latin typeface="Arial" panose="020B0604020202020204" pitchFamily="34" charset="0"/>
               <a:cs typeface="Arial" panose="020B0604020202020204" pitchFamily="34" charset="0"/>
@@ -5004,7 +5288,10 @@
           <a:p>
             <a:pPr algn="ctr"/>
             <a:r>
-              <a:rPr lang="en-US" dirty="0"/>
+              <a:rPr lang="en-US" dirty="0">
+                <a:latin typeface="Arial" panose="020B0604020202020204" pitchFamily="34" charset="0"/>
+                <a:cs typeface="Arial" panose="020B0604020202020204" pitchFamily="34" charset="0"/>
+              </a:rPr>
               <a:t>Currency Exchange</a:t>
             </a:r>
           </a:p>
@@ -5082,6 +5369,422 @@
     <p:extLst>
       <p:ext uri="{BB962C8B-B14F-4D97-AF65-F5344CB8AC3E}">
         <p14:creationId xmlns:p14="http://schemas.microsoft.com/office/powerpoint/2010/main" val="1098128313"/>
+      </p:ext>
+    </p:extLst>
+  </p:cSld>
+  <p:clrMapOvr>
+    <a:masterClrMapping/>
+  </p:clrMapOvr>
+</p:sld>
+</file>
+
+<file path=ppt/slides/slide7.xml><?xml version="1.0" encoding="utf-8"?>
+<p:sld xmlns:a="http://schemas.openxmlformats.org/drawingml/2006/main" xmlns:r="http://schemas.openxmlformats.org/officeDocument/2006/relationships" xmlns:p="http://schemas.openxmlformats.org/presentationml/2006/main">
+  <p:cSld>
+    <p:spTree>
+      <p:nvGrpSpPr>
+        <p:cNvPr id="1" name=""/>
+        <p:cNvGrpSpPr/>
+        <p:nvPr/>
+      </p:nvGrpSpPr>
+      <p:grpSpPr>
+        <a:xfrm>
+          <a:off x="0" y="0"/>
+          <a:ext cx="0" cy="0"/>
+          <a:chOff x="0" y="0"/>
+          <a:chExt cx="0" cy="0"/>
+        </a:xfrm>
+      </p:grpSpPr>
+      <p:sp>
+        <p:nvSpPr>
+          <p:cNvPr id="2" name="Title 1">
+            <a:extLst>
+              <a:ext uri="{FF2B5EF4-FFF2-40B4-BE49-F238E27FC236}">
+                <a16:creationId xmlns:a16="http://schemas.microsoft.com/office/drawing/2014/main" id="{4988E0EA-BE28-FC07-14BB-5BACF358A359}"/>
+              </a:ext>
+            </a:extLst>
+          </p:cNvPr>
+          <p:cNvSpPr>
+            <a:spLocks noGrp="1"/>
+          </p:cNvSpPr>
+          <p:nvPr>
+            <p:ph type="title"/>
+          </p:nvPr>
+        </p:nvSpPr>
+        <p:spPr/>
+        <p:txBody>
+          <a:bodyPr/>
+          <a:lstStyle/>
+          <a:p>
+            <a:pPr algn="ctr"/>
+            <a:r>
+              <a:rPr lang="en-US" dirty="0">
+                <a:latin typeface="Arial" panose="020B0604020202020204" pitchFamily="34" charset="0"/>
+                <a:cs typeface="Arial" panose="020B0604020202020204" pitchFamily="34" charset="0"/>
+              </a:rPr>
+              <a:t>Original Purpose and Fun Facts</a:t>
+            </a:r>
+          </a:p>
+        </p:txBody>
+      </p:sp>
+      <p:sp>
+        <p:nvSpPr>
+          <p:cNvPr id="3" name="Content Placeholder 2">
+            <a:extLst>
+              <a:ext uri="{FF2B5EF4-FFF2-40B4-BE49-F238E27FC236}">
+                <a16:creationId xmlns:a16="http://schemas.microsoft.com/office/drawing/2014/main" id="{4B688861-DC11-7E77-7ACF-A8FBE8ABEAD5}"/>
+              </a:ext>
+            </a:extLst>
+          </p:cNvPr>
+          <p:cNvSpPr>
+            <a:spLocks noGrp="1"/>
+          </p:cNvSpPr>
+          <p:nvPr>
+            <p:ph idx="1"/>
+          </p:nvPr>
+        </p:nvSpPr>
+        <p:spPr/>
+        <p:txBody>
+          <a:bodyPr/>
+          <a:lstStyle/>
+          <a:p>
+            <a:r>
+              <a:rPr lang="en-US" dirty="0">
+                <a:latin typeface="Arial" panose="020B0604020202020204" pitchFamily="34" charset="0"/>
+                <a:cs typeface="Arial" panose="020B0604020202020204" pitchFamily="34" charset="0"/>
+              </a:rPr>
+              <a:t>PayPal history begins all the way back in 1998 when it was establish as Confinity by Mac Levchin and Peter Theil. </a:t>
+            </a:r>
+          </a:p>
+          <a:p>
+            <a:r>
+              <a:rPr lang="en-US" dirty="0">
+                <a:latin typeface="Arial" panose="020B0604020202020204" pitchFamily="34" charset="0"/>
+                <a:cs typeface="Arial" panose="020B0604020202020204" pitchFamily="34" charset="0"/>
+              </a:rPr>
+              <a:t>In the year 1999 it was launched as a platform for transferring money and received its initial public offering 2002. It’s rise to fame when eBay acquired PayPal in 2002 for $1.5bn. </a:t>
+            </a:r>
+          </a:p>
+          <a:p>
+            <a:r>
+              <a:rPr lang="en-US" dirty="0">
+                <a:latin typeface="Arial" panose="020B0604020202020204" pitchFamily="34" charset="0"/>
+                <a:cs typeface="Arial" panose="020B0604020202020204" pitchFamily="34" charset="0"/>
+              </a:rPr>
+              <a:t>After this, PayPal started to grow across the world, and was accepted by many online merchants. </a:t>
+            </a:r>
+          </a:p>
+          <a:p>
+            <a:r>
+              <a:rPr lang="en-US" dirty="0">
+                <a:latin typeface="Arial" panose="020B0604020202020204" pitchFamily="34" charset="0"/>
+                <a:cs typeface="Arial" panose="020B0604020202020204" pitchFamily="34" charset="0"/>
+              </a:rPr>
+              <a:t>For the next couple of years, since PayPal was under eBay, it grew it’s reach internationally. </a:t>
+            </a:r>
+          </a:p>
+          <a:p>
+            <a:r>
+              <a:rPr lang="en-US" dirty="0">
+                <a:latin typeface="Arial" panose="020B0604020202020204" pitchFamily="34" charset="0"/>
+                <a:cs typeface="Arial" panose="020B0604020202020204" pitchFamily="34" charset="0"/>
+              </a:rPr>
+              <a:t>In 2006, the payment added 10 currencies to it’s platform, including the Singapore dollar and the Swiss franc. </a:t>
+            </a:r>
+          </a:p>
+          <a:p>
+            <a:r>
+              <a:rPr lang="en-US" dirty="0">
+                <a:latin typeface="Arial" panose="020B0604020202020204" pitchFamily="34" charset="0"/>
+                <a:cs typeface="Arial" panose="020B0604020202020204" pitchFamily="34" charset="0"/>
+              </a:rPr>
+              <a:t>This platform has 28 million merchants and 361 customers with active accounts.</a:t>
+            </a:r>
+          </a:p>
+        </p:txBody>
+      </p:sp>
+    </p:spTree>
+    <p:extLst>
+      <p:ext uri="{BB962C8B-B14F-4D97-AF65-F5344CB8AC3E}">
+        <p14:creationId xmlns:p14="http://schemas.microsoft.com/office/powerpoint/2010/main" val="2839973533"/>
+      </p:ext>
+    </p:extLst>
+  </p:cSld>
+  <p:clrMapOvr>
+    <a:masterClrMapping/>
+  </p:clrMapOvr>
+</p:sld>
+</file>
+
+<file path=ppt/slides/slide8.xml><?xml version="1.0" encoding="utf-8"?>
+<p:sld xmlns:a="http://schemas.openxmlformats.org/drawingml/2006/main" xmlns:r="http://schemas.openxmlformats.org/officeDocument/2006/relationships" xmlns:p="http://schemas.openxmlformats.org/presentationml/2006/main">
+  <p:cSld>
+    <p:spTree>
+      <p:nvGrpSpPr>
+        <p:cNvPr id="1" name=""/>
+        <p:cNvGrpSpPr/>
+        <p:nvPr/>
+      </p:nvGrpSpPr>
+      <p:grpSpPr>
+        <a:xfrm>
+          <a:off x="0" y="0"/>
+          <a:ext cx="0" cy="0"/>
+          <a:chOff x="0" y="0"/>
+          <a:chExt cx="0" cy="0"/>
+        </a:xfrm>
+      </p:grpSpPr>
+      <p:sp>
+        <p:nvSpPr>
+          <p:cNvPr id="2" name="Title 1">
+            <a:extLst>
+              <a:ext uri="{FF2B5EF4-FFF2-40B4-BE49-F238E27FC236}">
+                <a16:creationId xmlns:a16="http://schemas.microsoft.com/office/drawing/2014/main" id="{4988E0EA-BE28-FC07-14BB-5BACF358A359}"/>
+              </a:ext>
+            </a:extLst>
+          </p:cNvPr>
+          <p:cNvSpPr>
+            <a:spLocks noGrp="1"/>
+          </p:cNvSpPr>
+          <p:nvPr>
+            <p:ph type="title"/>
+          </p:nvPr>
+        </p:nvSpPr>
+        <p:spPr/>
+        <p:txBody>
+          <a:bodyPr/>
+          <a:lstStyle/>
+          <a:p>
+            <a:pPr algn="ctr"/>
+            <a:r>
+              <a:rPr lang="en-US" dirty="0">
+                <a:latin typeface="Arial" panose="020B0604020202020204" pitchFamily="34" charset="0"/>
+                <a:cs typeface="Arial" panose="020B0604020202020204" pitchFamily="34" charset="0"/>
+              </a:rPr>
+              <a:t>Fun Facts cont.</a:t>
+            </a:r>
+          </a:p>
+        </p:txBody>
+      </p:sp>
+      <p:sp>
+        <p:nvSpPr>
+          <p:cNvPr id="3" name="Content Placeholder 2">
+            <a:extLst>
+              <a:ext uri="{FF2B5EF4-FFF2-40B4-BE49-F238E27FC236}">
+                <a16:creationId xmlns:a16="http://schemas.microsoft.com/office/drawing/2014/main" id="{4B688861-DC11-7E77-7ACF-A8FBE8ABEAD5}"/>
+              </a:ext>
+            </a:extLst>
+          </p:cNvPr>
+          <p:cNvSpPr>
+            <a:spLocks noGrp="1"/>
+          </p:cNvSpPr>
+          <p:nvPr>
+            <p:ph idx="1"/>
+          </p:nvPr>
+        </p:nvSpPr>
+        <p:spPr/>
+        <p:txBody>
+          <a:bodyPr/>
+          <a:lstStyle/>
+          <a:p>
+            <a:endParaRPr lang="en-US" dirty="0">
+              <a:latin typeface="Arial" panose="020B0604020202020204" pitchFamily="34" charset="0"/>
+              <a:cs typeface="Arial" panose="020B0604020202020204" pitchFamily="34" charset="0"/>
+            </a:endParaRPr>
+          </a:p>
+          <a:p>
+            <a:pPr marL="0" indent="0">
+              <a:buNone/>
+            </a:pPr>
+            <a:endParaRPr lang="en-US" dirty="0">
+              <a:latin typeface="Arial" panose="020B0604020202020204" pitchFamily="34" charset="0"/>
+              <a:cs typeface="Arial" panose="020B0604020202020204" pitchFamily="34" charset="0"/>
+            </a:endParaRPr>
+          </a:p>
+        </p:txBody>
+      </p:sp>
+      <p:pic>
+        <p:nvPicPr>
+          <p:cNvPr id="5" name="Picture 4">
+            <a:extLst>
+              <a:ext uri="{FF2B5EF4-FFF2-40B4-BE49-F238E27FC236}">
+                <a16:creationId xmlns:a16="http://schemas.microsoft.com/office/drawing/2014/main" id="{9A0B173C-23B4-1FB1-7067-348D416A8344}"/>
+              </a:ext>
+            </a:extLst>
+          </p:cNvPr>
+          <p:cNvPicPr>
+            <a:picLocks noChangeAspect="1"/>
+          </p:cNvPicPr>
+          <p:nvPr/>
+        </p:nvPicPr>
+        <p:blipFill>
+          <a:blip r:embed="rId2"/>
+          <a:stretch>
+            <a:fillRect/>
+          </a:stretch>
+        </p:blipFill>
+        <p:spPr>
+          <a:xfrm>
+            <a:off x="995082" y="1724668"/>
+            <a:ext cx="10201835" cy="4228076"/>
+          </a:xfrm>
+          <a:prstGeom prst="rect">
+            <a:avLst/>
+          </a:prstGeom>
+        </p:spPr>
+      </p:pic>
+    </p:spTree>
+    <p:extLst>
+      <p:ext uri="{BB962C8B-B14F-4D97-AF65-F5344CB8AC3E}">
+        <p14:creationId xmlns:p14="http://schemas.microsoft.com/office/powerpoint/2010/main" val="1137665026"/>
+      </p:ext>
+    </p:extLst>
+  </p:cSld>
+  <p:clrMapOvr>
+    <a:masterClrMapping/>
+  </p:clrMapOvr>
+</p:sld>
+</file>
+
+<file path=ppt/slides/slide9.xml><?xml version="1.0" encoding="utf-8"?>
+<p:sld xmlns:a="http://schemas.openxmlformats.org/drawingml/2006/main" xmlns:r="http://schemas.openxmlformats.org/officeDocument/2006/relationships" xmlns:p="http://schemas.openxmlformats.org/presentationml/2006/main">
+  <p:cSld>
+    <p:spTree>
+      <p:nvGrpSpPr>
+        <p:cNvPr id="1" name=""/>
+        <p:cNvGrpSpPr/>
+        <p:nvPr/>
+      </p:nvGrpSpPr>
+      <p:grpSpPr>
+        <a:xfrm>
+          <a:off x="0" y="0"/>
+          <a:ext cx="0" cy="0"/>
+          <a:chOff x="0" y="0"/>
+          <a:chExt cx="0" cy="0"/>
+        </a:xfrm>
+      </p:grpSpPr>
+      <p:sp>
+        <p:nvSpPr>
+          <p:cNvPr id="2" name="Title 1">
+            <a:extLst>
+              <a:ext uri="{FF2B5EF4-FFF2-40B4-BE49-F238E27FC236}">
+                <a16:creationId xmlns:a16="http://schemas.microsoft.com/office/drawing/2014/main" id="{D8A5336D-37BC-F4AD-129D-EFAA672BE6C8}"/>
+              </a:ext>
+            </a:extLst>
+          </p:cNvPr>
+          <p:cNvSpPr>
+            <a:spLocks noGrp="1"/>
+          </p:cNvSpPr>
+          <p:nvPr>
+            <p:ph type="title"/>
+          </p:nvPr>
+        </p:nvSpPr>
+        <p:spPr/>
+        <p:txBody>
+          <a:bodyPr/>
+          <a:lstStyle/>
+          <a:p>
+            <a:pPr algn="ctr"/>
+            <a:r>
+              <a:rPr lang="en-US" dirty="0"/>
+              <a:t>PayPal APIs</a:t>
+            </a:r>
+          </a:p>
+        </p:txBody>
+      </p:sp>
+      <p:sp>
+        <p:nvSpPr>
+          <p:cNvPr id="3" name="Content Placeholder 2">
+            <a:extLst>
+              <a:ext uri="{FF2B5EF4-FFF2-40B4-BE49-F238E27FC236}">
+                <a16:creationId xmlns:a16="http://schemas.microsoft.com/office/drawing/2014/main" id="{254918EE-E216-6303-BBCB-52790F5CF367}"/>
+              </a:ext>
+            </a:extLst>
+          </p:cNvPr>
+          <p:cNvSpPr>
+            <a:spLocks noGrp="1"/>
+          </p:cNvSpPr>
+          <p:nvPr>
+            <p:ph idx="1"/>
+          </p:nvPr>
+        </p:nvSpPr>
+        <p:spPr/>
+        <p:txBody>
+          <a:bodyPr/>
+          <a:lstStyle/>
+          <a:p>
+            <a:r>
+              <a:rPr lang="en-US" dirty="0">
+                <a:latin typeface="Arial" panose="020B0604020202020204" pitchFamily="34" charset="0"/>
+                <a:cs typeface="Arial" panose="020B0604020202020204" pitchFamily="34" charset="0"/>
+              </a:rPr>
+              <a:t>LETS GO LOOK AT THIS COOL LINK TOGETHER SHALL WE???</a:t>
+            </a:r>
+          </a:p>
+          <a:p>
+            <a:pPr marL="0" indent="0">
+              <a:buNone/>
+            </a:pPr>
+            <a:endParaRPr lang="en-US" dirty="0">
+              <a:latin typeface="Arial" panose="020B0604020202020204" pitchFamily="34" charset="0"/>
+              <a:cs typeface="Arial" panose="020B0604020202020204" pitchFamily="34" charset="0"/>
+            </a:endParaRPr>
+          </a:p>
+          <a:p>
+            <a:r>
+              <a:rPr lang="en-US" dirty="0">
+                <a:latin typeface="Arial" panose="020B0604020202020204" pitchFamily="34" charset="0"/>
+                <a:cs typeface="Arial" panose="020B0604020202020204" pitchFamily="34" charset="0"/>
+                <a:hlinkClick r:id="rId2"/>
+              </a:rPr>
+              <a:t>https://developer.paypal.com/api/rest/</a:t>
+            </a:r>
+            <a:endParaRPr lang="en-US" dirty="0">
+              <a:latin typeface="Arial" panose="020B0604020202020204" pitchFamily="34" charset="0"/>
+              <a:cs typeface="Arial" panose="020B0604020202020204" pitchFamily="34" charset="0"/>
+            </a:endParaRPr>
+          </a:p>
+          <a:p>
+            <a:r>
+              <a:rPr lang="en-US" dirty="0">
+                <a:latin typeface="Arial" panose="020B0604020202020204" pitchFamily="34" charset="0"/>
+                <a:cs typeface="Arial" panose="020B0604020202020204" pitchFamily="34" charset="0"/>
+              </a:rPr>
+              <a:t>CLICK HERE (if you want I guess)</a:t>
+            </a:r>
+          </a:p>
+          <a:p>
+            <a:r>
+              <a:rPr lang="en-US" dirty="0">
+                <a:latin typeface="Arial" panose="020B0604020202020204" pitchFamily="34" charset="0"/>
+                <a:cs typeface="Arial" panose="020B0604020202020204" pitchFamily="34" charset="0"/>
+              </a:rPr>
+              <a:t>(if you don’t you might not know how to build the PayPal API)</a:t>
+            </a:r>
+          </a:p>
+          <a:p>
+            <a:r>
+              <a:rPr lang="en-US" dirty="0">
+                <a:latin typeface="Arial" panose="020B0604020202020204" pitchFamily="34" charset="0"/>
+                <a:cs typeface="Arial" panose="020B0604020202020204" pitchFamily="34" charset="0"/>
+              </a:rPr>
+              <a:t>(your choice)</a:t>
+            </a:r>
+          </a:p>
+          <a:p>
+            <a:r>
+              <a:rPr lang="en-US" dirty="0">
+                <a:latin typeface="Arial" panose="020B0604020202020204" pitchFamily="34" charset="0"/>
+                <a:cs typeface="Arial" panose="020B0604020202020204" pitchFamily="34" charset="0"/>
+              </a:rPr>
+              <a:t>ENJOY </a:t>
+            </a:r>
+          </a:p>
+        </p:txBody>
+      </p:sp>
+    </p:spTree>
+    <p:extLst>
+      <p:ext uri="{BB962C8B-B14F-4D97-AF65-F5344CB8AC3E}">
+        <p14:creationId xmlns:p14="http://schemas.microsoft.com/office/powerpoint/2010/main" val="1711584541"/>
       </p:ext>
     </p:extLst>
   </p:cSld>
@@ -5377,15 +6080,6 @@
 </file>
 
 <file path=customXml/item2.xml><?xml version="1.0" encoding="utf-8"?>
-<?mso-contentType ?>
-<FormTemplates xmlns="http://schemas.microsoft.com/sharepoint/v3/contenttype/forms">
-  <Display>DocumentLibraryForm</Display>
-  <Edit>DocumentLibraryForm</Edit>
-  <New>DocumentLibraryForm</New>
-</FormTemplates>
-</file>
-
-<file path=customXml/item3.xml><?xml version="1.0" encoding="utf-8"?>
 <ct:contentTypeSchema xmlns:ct="http://schemas.microsoft.com/office/2006/metadata/contentType" xmlns:ma="http://schemas.microsoft.com/office/2006/metadata/properties/metaAttributes" ct:_="" ma:_="" ma:contentTypeName="Document" ma:contentTypeID="0x01010079F111ED35F8CC479449609E8A0923A6" ma:contentTypeVersion="12" ma:contentTypeDescription="Create a new document." ma:contentTypeScope="" ma:versionID="a410dd7f93c95333ffa1b60ed6adedd1">
   <xsd:schema xmlns:xsd="http://www.w3.org/2001/XMLSchema" xmlns:xs="http://www.w3.org/2001/XMLSchema" xmlns:p="http://schemas.microsoft.com/office/2006/metadata/properties" xmlns:ns2="71af3243-3dd4-4a8d-8c0d-dd76da1f02a5" xmlns:ns3="16c05727-aa75-4e4a-9b5f-8a80a1165891" targetNamespace="http://schemas.microsoft.com/office/2006/metadata/properties" ma:root="true" ma:fieldsID="a936d9baba76aa3866493feff160faab" ns2:_="" ns3:_="">
     <xsd:import namespace="71af3243-3dd4-4a8d-8c0d-dd76da1f02a5"/>
@@ -5606,6 +6300,15 @@
 </ct:contentTypeSchema>
 </file>
 
+<file path=customXml/item3.xml><?xml version="1.0" encoding="utf-8"?>
+<?mso-contentType ?>
+<FormTemplates xmlns="http://schemas.microsoft.com/sharepoint/v3/contenttype/forms">
+  <Display>DocumentLibraryForm</Display>
+  <Edit>DocumentLibraryForm</Edit>
+  <New>DocumentLibraryForm</New>
+</FormTemplates>
+</file>
+
 <file path=customXml/itemProps1.xml><?xml version="1.0" encoding="utf-8"?>
 <ds:datastoreItem xmlns:ds="http://schemas.openxmlformats.org/officeDocument/2006/customXml" ds:itemID="{137651BA-F45C-4845-9AB3-E0A65B39F5E1}">
   <ds:schemaRefs>
@@ -5617,14 +6320,6 @@
 </file>
 
 <file path=customXml/itemProps2.xml><?xml version="1.0" encoding="utf-8"?>
-<ds:datastoreItem xmlns:ds="http://schemas.openxmlformats.org/officeDocument/2006/customXml" ds:itemID="{CDB58277-F8DF-46FF-84EC-EF41B835E69F}">
-  <ds:schemaRefs>
-    <ds:schemaRef ds:uri="http://schemas.microsoft.com/sharepoint/v3/contenttype/forms"/>
-  </ds:schemaRefs>
-</ds:datastoreItem>
-</file>
-
-<file path=customXml/itemProps3.xml><?xml version="1.0" encoding="utf-8"?>
 <ds:datastoreItem xmlns:ds="http://schemas.openxmlformats.org/officeDocument/2006/customXml" ds:itemID="{2D276E62-80A3-44DD-9BCC-97ED2B99B57F}">
   <ds:schemaRefs>
     <ds:schemaRef ds:uri="http://schemas.microsoft.com/office/2006/metadata/contentType"/>
@@ -5641,4 +6336,12 @@
     <ds:schemaRef ds:uri="http://schemas.microsoft.com/internal/obd"/>
   </ds:schemaRefs>
 </ds:datastoreItem>
+</file>
+
+<file path=customXml/itemProps3.xml><?xml version="1.0" encoding="utf-8"?>
+<ds:datastoreItem xmlns:ds="http://schemas.openxmlformats.org/officeDocument/2006/customXml" ds:itemID="{CDB58277-F8DF-46FF-84EC-EF41B835E69F}">
+  <ds:schemaRefs>
+    <ds:schemaRef ds:uri="http://schemas.microsoft.com/sharepoint/v3/contenttype/forms"/>
+  </ds:schemaRefs>
+</ds:datastoreItem>
 </file>